--- a/project/Conway’s Game of Life.pptx
+++ b/project/Conway’s Game of Life.pptx
@@ -347,7 +347,7 @@
           <a:p>
             <a:fld id="{7F719311-EA08-4D8D-B427-80FBE03C1629}" type="datetimeFigureOut">
               <a:rPr lang="en-US" smtClean="0"/>
-              <a:t>3/11/2015</a:t>
+              <a:t>3/19/2015</a:t>
             </a:fld>
             <a:endParaRPr lang="en-US"/>
           </a:p>
@@ -555,7 +555,7 @@
           <a:p>
             <a:fld id="{7F719311-EA08-4D8D-B427-80FBE03C1629}" type="datetimeFigureOut">
               <a:rPr lang="en-US" smtClean="0"/>
-              <a:t>3/11/2015</a:t>
+              <a:t>3/19/2015</a:t>
             </a:fld>
             <a:endParaRPr lang="en-US"/>
           </a:p>
@@ -813,7 +813,7 @@
           <a:p>
             <a:fld id="{7F719311-EA08-4D8D-B427-80FBE03C1629}" type="datetimeFigureOut">
               <a:rPr lang="en-US" smtClean="0"/>
-              <a:t>3/11/2015</a:t>
+              <a:t>3/19/2015</a:t>
             </a:fld>
             <a:endParaRPr lang="en-US"/>
           </a:p>
@@ -983,7 +983,7 @@
           <a:p>
             <a:fld id="{7F719311-EA08-4D8D-B427-80FBE03C1629}" type="datetimeFigureOut">
               <a:rPr lang="en-US" smtClean="0"/>
-              <a:t>3/11/2015</a:t>
+              <a:t>3/19/2015</a:t>
             </a:fld>
             <a:endParaRPr lang="en-US"/>
           </a:p>
@@ -1320,7 +1320,7 @@
           <a:p>
             <a:fld id="{7F719311-EA08-4D8D-B427-80FBE03C1629}" type="datetimeFigureOut">
               <a:rPr lang="en-US" smtClean="0"/>
-              <a:t>3/11/2015</a:t>
+              <a:t>3/19/2015</a:t>
             </a:fld>
             <a:endParaRPr lang="en-US"/>
           </a:p>
@@ -1595,7 +1595,7 @@
           <a:p>
             <a:fld id="{7F719311-EA08-4D8D-B427-80FBE03C1629}" type="datetimeFigureOut">
               <a:rPr lang="en-US" smtClean="0"/>
-              <a:t>3/11/2015</a:t>
+              <a:t>3/19/2015</a:t>
             </a:fld>
             <a:endParaRPr lang="en-US"/>
           </a:p>
@@ -1974,7 +1974,7 @@
           <a:p>
             <a:fld id="{7F719311-EA08-4D8D-B427-80FBE03C1629}" type="datetimeFigureOut">
               <a:rPr lang="en-US" smtClean="0"/>
-              <a:t>3/11/2015</a:t>
+              <a:t>3/19/2015</a:t>
             </a:fld>
             <a:endParaRPr lang="en-US"/>
           </a:p>
@@ -2092,7 +2092,7 @@
           <a:p>
             <a:fld id="{7F719311-EA08-4D8D-B427-80FBE03C1629}" type="datetimeFigureOut">
               <a:rPr lang="en-US" smtClean="0"/>
-              <a:t>3/11/2015</a:t>
+              <a:t>3/19/2015</a:t>
             </a:fld>
             <a:endParaRPr lang="en-US"/>
           </a:p>
@@ -2265,7 +2265,7 @@
           <a:p>
             <a:fld id="{7F719311-EA08-4D8D-B427-80FBE03C1629}" type="datetimeFigureOut">
               <a:rPr lang="en-US" smtClean="0"/>
-              <a:t>3/11/2015</a:t>
+              <a:t>3/19/2015</a:t>
             </a:fld>
             <a:endParaRPr lang="en-US"/>
           </a:p>
@@ -2621,7 +2621,7 @@
           <a:p>
             <a:fld id="{7F719311-EA08-4D8D-B427-80FBE03C1629}" type="datetimeFigureOut">
               <a:rPr lang="en-US" smtClean="0"/>
-              <a:t>3/11/2015</a:t>
+              <a:t>3/19/2015</a:t>
             </a:fld>
             <a:endParaRPr lang="en-US"/>
           </a:p>
@@ -3000,7 +3000,7 @@
           <a:p>
             <a:fld id="{7F719311-EA08-4D8D-B427-80FBE03C1629}" type="datetimeFigureOut">
               <a:rPr lang="en-US" smtClean="0"/>
-              <a:t>3/11/2015</a:t>
+              <a:t>3/19/2015</a:t>
             </a:fld>
             <a:endParaRPr lang="en-US"/>
           </a:p>
@@ -3289,7 +3289,7 @@
           <a:p>
             <a:fld id="{7F719311-EA08-4D8D-B427-80FBE03C1629}" type="datetimeFigureOut">
               <a:rPr lang="en-US" smtClean="0"/>
-              <a:t>3/11/2015</a:t>
+              <a:t>3/19/2015</a:t>
             </a:fld>
             <a:endParaRPr lang="en-US"/>
           </a:p>
@@ -3857,11 +3857,7 @@
             </a:r>
             <a:r>
               <a:rPr lang="en-US" smtClean="0"/>
-              <a:t>Haskell </a:t>
-            </a:r>
-            <a:r>
-              <a:rPr lang="en-US" smtClean="0"/>
-              <a:t>Implementation</a:t>
+              <a:t>Haskell Implementation</a:t>
             </a:r>
             <a:endParaRPr lang="en-US" dirty="0"/>
           </a:p>
@@ -3968,7 +3964,30 @@
             <a:pPr lvl="1"/>
             <a:r>
               <a:rPr lang="en-US" dirty="0" smtClean="0"/>
-              <a:t>All other cases the cell is dead</a:t>
+              <a:t>All other cases the cell is </a:t>
+            </a:r>
+            <a:r>
+              <a:rPr lang="en-US" dirty="0" smtClean="0"/>
+              <a:t>dead</a:t>
+            </a:r>
+          </a:p>
+          <a:p>
+            <a:pPr marL="201168" lvl="1" indent="0">
+              <a:buNone/>
+            </a:pPr>
+            <a:endParaRPr lang="en-US" dirty="0"/>
+          </a:p>
+          <a:p>
+            <a:pPr marL="201168" lvl="1" indent="0">
+              <a:buNone/>
+            </a:pPr>
+            <a:r>
+              <a:rPr lang="en-US" dirty="0" smtClean="0"/>
+              <a:t>Two </a:t>
+            </a:r>
+            <a:r>
+              <a:rPr lang="en-US" smtClean="0"/>
+              <a:t>different “implementations”.</a:t>
             </a:r>
             <a:endParaRPr lang="en-US" dirty="0"/>
           </a:p>
@@ -4201,15 +4220,12 @@
           <a:p>
             <a:pPr lvl="1"/>
             <a:r>
+              <a:rPr lang="en-US" dirty="0"/>
+              <a:t>Compute number of living </a:t>
+            </a:r>
+            <a:r>
               <a:rPr lang="en-US" dirty="0" smtClean="0"/>
-              <a:t>Iterate the field</a:t>
-            </a:r>
-          </a:p>
-          <a:p>
-            <a:pPr lvl="1"/>
-            <a:r>
-              <a:rPr lang="en-US" dirty="0" smtClean="0"/>
-              <a:t>Compute number of living cells</a:t>
+              <a:t>cells</a:t>
             </a:r>
           </a:p>
           <a:p>
